--- a/hw.pptx
+++ b/hw.pptx
@@ -9,6 +9,8 @@
     <p:sldId id="259" r:id="rId3"/>
     <p:sldId id="256" r:id="rId4"/>
     <p:sldId id="257" r:id="rId5"/>
+    <p:sldId id="260" r:id="rId6"/>
+    <p:sldId id="261" r:id="rId7"/>
   </p:sldIdLst>
   <p:sldSz cx="12192000" cy="6858000"/>
   <p:notesSz cx="6858000" cy="9144000"/>
@@ -123,7 +125,10 @@
           </p14:sldIdLst>
         </p14:section>
         <p14:section name="hw3" id="{5187ACC8-1831-4646-86AD-D01EF6D869E6}">
-          <p14:sldIdLst/>
+          <p14:sldIdLst>
+            <p14:sldId id="260"/>
+            <p14:sldId id="261"/>
+          </p14:sldIdLst>
         </p14:section>
       </p14:sectionLst>
     </p:ext>
@@ -281,7 +286,7 @@
           <a:p>
             <a:fld id="{B74891D9-1628-4CFE-8FDD-E892D0E24CCD}" type="datetimeFigureOut">
               <a:rPr lang="tr-TR" smtClean="0"/>
-              <a:t>25.05.2022</a:t>
+              <a:t>30.05.2022</a:t>
             </a:fld>
             <a:endParaRPr lang="tr-TR"/>
           </a:p>
@@ -479,7 +484,7 @@
           <a:p>
             <a:fld id="{B74891D9-1628-4CFE-8FDD-E892D0E24CCD}" type="datetimeFigureOut">
               <a:rPr lang="tr-TR" smtClean="0"/>
-              <a:t>25.05.2022</a:t>
+              <a:t>30.05.2022</a:t>
             </a:fld>
             <a:endParaRPr lang="tr-TR"/>
           </a:p>
@@ -687,7 +692,7 @@
           <a:p>
             <a:fld id="{B74891D9-1628-4CFE-8FDD-E892D0E24CCD}" type="datetimeFigureOut">
               <a:rPr lang="tr-TR" smtClean="0"/>
-              <a:t>25.05.2022</a:t>
+              <a:t>30.05.2022</a:t>
             </a:fld>
             <a:endParaRPr lang="tr-TR"/>
           </a:p>
@@ -885,7 +890,7 @@
           <a:p>
             <a:fld id="{B74891D9-1628-4CFE-8FDD-E892D0E24CCD}" type="datetimeFigureOut">
               <a:rPr lang="tr-TR" smtClean="0"/>
-              <a:t>25.05.2022</a:t>
+              <a:t>30.05.2022</a:t>
             </a:fld>
             <a:endParaRPr lang="tr-TR"/>
           </a:p>
@@ -1160,7 +1165,7 @@
           <a:p>
             <a:fld id="{B74891D9-1628-4CFE-8FDD-E892D0E24CCD}" type="datetimeFigureOut">
               <a:rPr lang="tr-TR" smtClean="0"/>
-              <a:t>25.05.2022</a:t>
+              <a:t>30.05.2022</a:t>
             </a:fld>
             <a:endParaRPr lang="tr-TR"/>
           </a:p>
@@ -1425,7 +1430,7 @@
           <a:p>
             <a:fld id="{B74891D9-1628-4CFE-8FDD-E892D0E24CCD}" type="datetimeFigureOut">
               <a:rPr lang="tr-TR" smtClean="0"/>
-              <a:t>25.05.2022</a:t>
+              <a:t>30.05.2022</a:t>
             </a:fld>
             <a:endParaRPr lang="tr-TR"/>
           </a:p>
@@ -1837,7 +1842,7 @@
           <a:p>
             <a:fld id="{B74891D9-1628-4CFE-8FDD-E892D0E24CCD}" type="datetimeFigureOut">
               <a:rPr lang="tr-TR" smtClean="0"/>
-              <a:t>25.05.2022</a:t>
+              <a:t>30.05.2022</a:t>
             </a:fld>
             <a:endParaRPr lang="tr-TR"/>
           </a:p>
@@ -1978,7 +1983,7 @@
           <a:p>
             <a:fld id="{B74891D9-1628-4CFE-8FDD-E892D0E24CCD}" type="datetimeFigureOut">
               <a:rPr lang="tr-TR" smtClean="0"/>
-              <a:t>25.05.2022</a:t>
+              <a:t>30.05.2022</a:t>
             </a:fld>
             <a:endParaRPr lang="tr-TR"/>
           </a:p>
@@ -2091,7 +2096,7 @@
           <a:p>
             <a:fld id="{B74891D9-1628-4CFE-8FDD-E892D0E24CCD}" type="datetimeFigureOut">
               <a:rPr lang="tr-TR" smtClean="0"/>
-              <a:t>25.05.2022</a:t>
+              <a:t>30.05.2022</a:t>
             </a:fld>
             <a:endParaRPr lang="tr-TR"/>
           </a:p>
@@ -2402,7 +2407,7 @@
           <a:p>
             <a:fld id="{B74891D9-1628-4CFE-8FDD-E892D0E24CCD}" type="datetimeFigureOut">
               <a:rPr lang="tr-TR" smtClean="0"/>
-              <a:t>25.05.2022</a:t>
+              <a:t>30.05.2022</a:t>
             </a:fld>
             <a:endParaRPr lang="tr-TR"/>
           </a:p>
@@ -2690,7 +2695,7 @@
           <a:p>
             <a:fld id="{B74891D9-1628-4CFE-8FDD-E892D0E24CCD}" type="datetimeFigureOut">
               <a:rPr lang="tr-TR" smtClean="0"/>
-              <a:t>25.05.2022</a:t>
+              <a:t>30.05.2022</a:t>
             </a:fld>
             <a:endParaRPr lang="tr-TR"/>
           </a:p>
@@ -2931,7 +2936,7 @@
           <a:p>
             <a:fld id="{B74891D9-1628-4CFE-8FDD-E892D0E24CCD}" type="datetimeFigureOut">
               <a:rPr lang="tr-TR" smtClean="0"/>
-              <a:t>25.05.2022</a:t>
+              <a:t>30.05.2022</a:t>
             </a:fld>
             <a:endParaRPr lang="tr-TR"/>
           </a:p>
@@ -4019,6 +4024,235 @@
 </p:sld>
 </file>
 
+<file path=ppt/slides/slide5.xml><?xml version="1.0" encoding="utf-8"?>
+<p:sld xmlns:a="http://schemas.openxmlformats.org/drawingml/2006/main" xmlns:r="http://schemas.openxmlformats.org/officeDocument/2006/relationships" xmlns:p="http://schemas.openxmlformats.org/presentationml/2006/main">
+  <p:cSld>
+    <p:spTree>
+      <p:nvGrpSpPr>
+        <p:cNvPr id="1" name=""/>
+        <p:cNvGrpSpPr/>
+        <p:nvPr/>
+      </p:nvGrpSpPr>
+      <p:grpSpPr>
+        <a:xfrm>
+          <a:off x="0" y="0"/>
+          <a:ext cx="0" cy="0"/>
+          <a:chOff x="0" y="0"/>
+          <a:chExt cx="0" cy="0"/>
+        </a:xfrm>
+      </p:grpSpPr>
+      <p:sp>
+        <p:nvSpPr>
+          <p:cNvPr id="2" name="Başlık 1">
+            <a:extLst>
+              <a:ext uri="{FF2B5EF4-FFF2-40B4-BE49-F238E27FC236}">
+                <a16:creationId xmlns:a16="http://schemas.microsoft.com/office/drawing/2014/main" id="{FD619E5C-CF36-4933-B2EC-CF2DBD20BCFE}"/>
+              </a:ext>
+            </a:extLst>
+          </p:cNvPr>
+          <p:cNvSpPr>
+            <a:spLocks noGrp="1"/>
+          </p:cNvSpPr>
+          <p:nvPr>
+            <p:ph type="ctrTitle"/>
+          </p:nvPr>
+        </p:nvSpPr>
+        <p:spPr/>
+        <p:txBody>
+          <a:bodyPr/>
+          <a:lstStyle/>
+          <a:p>
+            <a:r>
+              <a:rPr lang="tr-TR" dirty="0" err="1"/>
+              <a:t>Homework</a:t>
+            </a:r>
+            <a:r>
+              <a:rPr lang="tr-TR" dirty="0"/>
+              <a:t> 3</a:t>
+            </a:r>
+          </a:p>
+        </p:txBody>
+      </p:sp>
+      <p:sp>
+        <p:nvSpPr>
+          <p:cNvPr id="3" name="Alt Başlık 2">
+            <a:extLst>
+              <a:ext uri="{FF2B5EF4-FFF2-40B4-BE49-F238E27FC236}">
+                <a16:creationId xmlns:a16="http://schemas.microsoft.com/office/drawing/2014/main" id="{65593881-24F2-4716-8A25-EA72E69BEEDC}"/>
+              </a:ext>
+            </a:extLst>
+          </p:cNvPr>
+          <p:cNvSpPr>
+            <a:spLocks noGrp="1"/>
+          </p:cNvSpPr>
+          <p:nvPr>
+            <p:ph type="subTitle" idx="1"/>
+          </p:nvPr>
+        </p:nvSpPr>
+        <p:spPr/>
+        <p:txBody>
+          <a:bodyPr/>
+          <a:lstStyle/>
+          <a:p>
+            <a:r>
+              <a:rPr lang="tr-TR" dirty="0"/>
+              <a:t>Utku </a:t>
+            </a:r>
+            <a:r>
+              <a:rPr lang="tr-TR" dirty="0" err="1"/>
+              <a:t>Kantekin</a:t>
+            </a:r>
+            <a:endParaRPr lang="tr-TR" dirty="0"/>
+          </a:p>
+        </p:txBody>
+      </p:sp>
+    </p:spTree>
+    <p:extLst>
+      <p:ext uri="{BB962C8B-B14F-4D97-AF65-F5344CB8AC3E}">
+        <p14:creationId xmlns:p14="http://schemas.microsoft.com/office/powerpoint/2010/main" val="1783144709"/>
+      </p:ext>
+    </p:extLst>
+  </p:cSld>
+  <p:clrMapOvr>
+    <a:masterClrMapping/>
+  </p:clrMapOvr>
+</p:sld>
+</file>
+
+<file path=ppt/slides/slide6.xml><?xml version="1.0" encoding="utf-8"?>
+<p:sld xmlns:a="http://schemas.openxmlformats.org/drawingml/2006/main" xmlns:r="http://schemas.openxmlformats.org/officeDocument/2006/relationships" xmlns:p="http://schemas.openxmlformats.org/presentationml/2006/main">
+  <p:cSld>
+    <p:spTree>
+      <p:nvGrpSpPr>
+        <p:cNvPr id="1" name=""/>
+        <p:cNvGrpSpPr/>
+        <p:nvPr/>
+      </p:nvGrpSpPr>
+      <p:grpSpPr>
+        <a:xfrm>
+          <a:off x="0" y="0"/>
+          <a:ext cx="0" cy="0"/>
+          <a:chOff x="0" y="0"/>
+          <a:chExt cx="0" cy="0"/>
+        </a:xfrm>
+      </p:grpSpPr>
+      <p:sp>
+        <p:nvSpPr>
+          <p:cNvPr id="3" name="İçerik Yer Tutucusu 2">
+            <a:extLst>
+              <a:ext uri="{FF2B5EF4-FFF2-40B4-BE49-F238E27FC236}">
+                <a16:creationId xmlns:a16="http://schemas.microsoft.com/office/drawing/2014/main" id="{64768FEF-BAA8-4F75-A7A8-F18FE19E2755}"/>
+              </a:ext>
+            </a:extLst>
+          </p:cNvPr>
+          <p:cNvSpPr>
+            <a:spLocks noGrp="1"/>
+          </p:cNvSpPr>
+          <p:nvPr>
+            <p:ph idx="1"/>
+          </p:nvPr>
+        </p:nvSpPr>
+        <p:spPr>
+          <a:xfrm>
+            <a:off x="838200" y="735291"/>
+            <a:ext cx="10515600" cy="5441672"/>
+          </a:xfrm>
+        </p:spPr>
+        <p:txBody>
+          <a:bodyPr/>
+          <a:lstStyle/>
+          <a:p>
+            <a:r>
+              <a:rPr lang="tr-TR" dirty="0" err="1"/>
+              <a:t>Bootstrap</a:t>
+            </a:r>
+            <a:r>
+              <a:rPr lang="tr-TR" dirty="0"/>
+              <a:t> </a:t>
+            </a:r>
+            <a:r>
+              <a:rPr lang="tr-TR" dirty="0" err="1"/>
+              <a:t>integrity</a:t>
+            </a:r>
+            <a:r>
+              <a:rPr lang="tr-TR" dirty="0"/>
+              <a:t>:</a:t>
+            </a:r>
+          </a:p>
+          <a:p>
+            <a:pPr marL="0" indent="457200">
+              <a:buNone/>
+            </a:pPr>
+            <a:r>
+              <a:rPr lang="tr-TR" dirty="0"/>
+              <a:t> tarayıcının dosya kaynağını kontrol etmesine izin vererek kaynağın beklenmedik şekilde değiştirildiği (kurcalandığı) durumda kodun yüklenmemesini sağlar.</a:t>
+            </a:r>
+          </a:p>
+          <a:p>
+            <a:r>
+              <a:rPr lang="tr-TR" dirty="0" err="1"/>
+              <a:t>Crossorigin</a:t>
+            </a:r>
+            <a:r>
+              <a:rPr lang="tr-TR" dirty="0"/>
+              <a:t>:</a:t>
+            </a:r>
+          </a:p>
+          <a:p>
+            <a:pPr marL="0" indent="457200">
+              <a:buNone/>
+            </a:pPr>
+            <a:r>
+              <a:rPr lang="tr-TR" dirty="0"/>
+              <a:t>Tarayıcıya dosyayı CDN (içerik dağıtım ağı) sitesinden anonim biçimde indirmesini ve herhangi </a:t>
+            </a:r>
+            <a:r>
+              <a:rPr lang="tr-TR" dirty="0" err="1"/>
+              <a:t>cookie</a:t>
+            </a:r>
+            <a:r>
+              <a:rPr lang="tr-TR" dirty="0"/>
+              <a:t> veya kimlik doğrulamaları kaldırmasını söyler. Siteler arasında </a:t>
+            </a:r>
+            <a:r>
+              <a:rPr lang="tr-TR" dirty="0" err="1"/>
+              <a:t>bigli</a:t>
+            </a:r>
+            <a:r>
+              <a:rPr lang="tr-TR" dirty="0"/>
+              <a:t> paylaşımında veri sızıntısını önlemek amaçlanır.</a:t>
+            </a:r>
+          </a:p>
+          <a:p>
+            <a:pPr marL="0" indent="457200">
+              <a:buNone/>
+            </a:pPr>
+            <a:endParaRPr lang="tr-TR" dirty="0"/>
+          </a:p>
+          <a:p>
+            <a:pPr marL="0" indent="457200">
+              <a:buNone/>
+            </a:pPr>
+            <a:r>
+              <a:rPr lang="tr-TR" dirty="0"/>
+              <a:t>Sonuç olarak iki nitelik de güvenlik ve veri gizliliği sağlanması ile ilgilidir.</a:t>
+            </a:r>
+          </a:p>
+        </p:txBody>
+      </p:sp>
+    </p:spTree>
+    <p:extLst>
+      <p:ext uri="{BB962C8B-B14F-4D97-AF65-F5344CB8AC3E}">
+        <p14:creationId xmlns:p14="http://schemas.microsoft.com/office/powerpoint/2010/main" val="3640426954"/>
+      </p:ext>
+    </p:extLst>
+  </p:cSld>
+  <p:clrMapOvr>
+    <a:masterClrMapping/>
+  </p:clrMapOvr>
+</p:sld>
+</file>
+
 <file path=ppt/theme/theme1.xml><?xml version="1.0" encoding="utf-8"?>
 <a:theme xmlns:a="http://schemas.openxmlformats.org/drawingml/2006/main" name="Office Teması">
   <a:themeElements>

--- a/hw.pptx
+++ b/hw.pptx
@@ -11,6 +11,9 @@
     <p:sldId id="257" r:id="rId5"/>
     <p:sldId id="260" r:id="rId6"/>
     <p:sldId id="261" r:id="rId7"/>
+    <p:sldId id="262" r:id="rId8"/>
+    <p:sldId id="263" r:id="rId9"/>
+    <p:sldId id="264" r:id="rId10"/>
   </p:sldIdLst>
   <p:sldSz cx="12192000" cy="6858000"/>
   <p:notesSz cx="6858000" cy="9144000"/>
@@ -130,6 +133,13 @@
             <p14:sldId id="261"/>
           </p14:sldIdLst>
         </p14:section>
+        <p14:section name="hw4" id="{A60F18CB-2CEC-4361-8CBD-44201455D08E}">
+          <p14:sldIdLst>
+            <p14:sldId id="262"/>
+            <p14:sldId id="263"/>
+            <p14:sldId id="264"/>
+          </p14:sldIdLst>
+        </p14:section>
       </p14:sectionLst>
     </p:ext>
     <p:ext uri="{EFAFB233-063F-42B5-8137-9DF3F51BA10A}">
@@ -286,7 +296,7 @@
           <a:p>
             <a:fld id="{B74891D9-1628-4CFE-8FDD-E892D0E24CCD}" type="datetimeFigureOut">
               <a:rPr lang="tr-TR" smtClean="0"/>
-              <a:t>30.05.2022</a:t>
+              <a:t>1.06.2022</a:t>
             </a:fld>
             <a:endParaRPr lang="tr-TR"/>
           </a:p>
@@ -484,7 +494,7 @@
           <a:p>
             <a:fld id="{B74891D9-1628-4CFE-8FDD-E892D0E24CCD}" type="datetimeFigureOut">
               <a:rPr lang="tr-TR" smtClean="0"/>
-              <a:t>30.05.2022</a:t>
+              <a:t>1.06.2022</a:t>
             </a:fld>
             <a:endParaRPr lang="tr-TR"/>
           </a:p>
@@ -692,7 +702,7 @@
           <a:p>
             <a:fld id="{B74891D9-1628-4CFE-8FDD-E892D0E24CCD}" type="datetimeFigureOut">
               <a:rPr lang="tr-TR" smtClean="0"/>
-              <a:t>30.05.2022</a:t>
+              <a:t>1.06.2022</a:t>
             </a:fld>
             <a:endParaRPr lang="tr-TR"/>
           </a:p>
@@ -890,7 +900,7 @@
           <a:p>
             <a:fld id="{B74891D9-1628-4CFE-8FDD-E892D0E24CCD}" type="datetimeFigureOut">
               <a:rPr lang="tr-TR" smtClean="0"/>
-              <a:t>30.05.2022</a:t>
+              <a:t>1.06.2022</a:t>
             </a:fld>
             <a:endParaRPr lang="tr-TR"/>
           </a:p>
@@ -1165,7 +1175,7 @@
           <a:p>
             <a:fld id="{B74891D9-1628-4CFE-8FDD-E892D0E24CCD}" type="datetimeFigureOut">
               <a:rPr lang="tr-TR" smtClean="0"/>
-              <a:t>30.05.2022</a:t>
+              <a:t>1.06.2022</a:t>
             </a:fld>
             <a:endParaRPr lang="tr-TR"/>
           </a:p>
@@ -1430,7 +1440,7 @@
           <a:p>
             <a:fld id="{B74891D9-1628-4CFE-8FDD-E892D0E24CCD}" type="datetimeFigureOut">
               <a:rPr lang="tr-TR" smtClean="0"/>
-              <a:t>30.05.2022</a:t>
+              <a:t>1.06.2022</a:t>
             </a:fld>
             <a:endParaRPr lang="tr-TR"/>
           </a:p>
@@ -1842,7 +1852,7 @@
           <a:p>
             <a:fld id="{B74891D9-1628-4CFE-8FDD-E892D0E24CCD}" type="datetimeFigureOut">
               <a:rPr lang="tr-TR" smtClean="0"/>
-              <a:t>30.05.2022</a:t>
+              <a:t>1.06.2022</a:t>
             </a:fld>
             <a:endParaRPr lang="tr-TR"/>
           </a:p>
@@ -1983,7 +1993,7 @@
           <a:p>
             <a:fld id="{B74891D9-1628-4CFE-8FDD-E892D0E24CCD}" type="datetimeFigureOut">
               <a:rPr lang="tr-TR" smtClean="0"/>
-              <a:t>30.05.2022</a:t>
+              <a:t>1.06.2022</a:t>
             </a:fld>
             <a:endParaRPr lang="tr-TR"/>
           </a:p>
@@ -2096,7 +2106,7 @@
           <a:p>
             <a:fld id="{B74891D9-1628-4CFE-8FDD-E892D0E24CCD}" type="datetimeFigureOut">
               <a:rPr lang="tr-TR" smtClean="0"/>
-              <a:t>30.05.2022</a:t>
+              <a:t>1.06.2022</a:t>
             </a:fld>
             <a:endParaRPr lang="tr-TR"/>
           </a:p>
@@ -2407,7 +2417,7 @@
           <a:p>
             <a:fld id="{B74891D9-1628-4CFE-8FDD-E892D0E24CCD}" type="datetimeFigureOut">
               <a:rPr lang="tr-TR" smtClean="0"/>
-              <a:t>30.05.2022</a:t>
+              <a:t>1.06.2022</a:t>
             </a:fld>
             <a:endParaRPr lang="tr-TR"/>
           </a:p>
@@ -2695,7 +2705,7 @@
           <a:p>
             <a:fld id="{B74891D9-1628-4CFE-8FDD-E892D0E24CCD}" type="datetimeFigureOut">
               <a:rPr lang="tr-TR" smtClean="0"/>
-              <a:t>30.05.2022</a:t>
+              <a:t>1.06.2022</a:t>
             </a:fld>
             <a:endParaRPr lang="tr-TR"/>
           </a:p>
@@ -2936,7 +2946,7 @@
           <a:p>
             <a:fld id="{B74891D9-1628-4CFE-8FDD-E892D0E24CCD}" type="datetimeFigureOut">
               <a:rPr lang="tr-TR" smtClean="0"/>
-              <a:t>30.05.2022</a:t>
+              <a:t>1.06.2022</a:t>
             </a:fld>
             <a:endParaRPr lang="tr-TR"/>
           </a:p>
@@ -4253,6 +4263,498 @@
 </p:sld>
 </file>
 
+<file path=ppt/slides/slide7.xml><?xml version="1.0" encoding="utf-8"?>
+<p:sld xmlns:a="http://schemas.openxmlformats.org/drawingml/2006/main" xmlns:r="http://schemas.openxmlformats.org/officeDocument/2006/relationships" xmlns:p="http://schemas.openxmlformats.org/presentationml/2006/main">
+  <p:cSld>
+    <p:spTree>
+      <p:nvGrpSpPr>
+        <p:cNvPr id="1" name=""/>
+        <p:cNvGrpSpPr/>
+        <p:nvPr/>
+      </p:nvGrpSpPr>
+      <p:grpSpPr>
+        <a:xfrm>
+          <a:off x="0" y="0"/>
+          <a:ext cx="0" cy="0"/>
+          <a:chOff x="0" y="0"/>
+          <a:chExt cx="0" cy="0"/>
+        </a:xfrm>
+      </p:grpSpPr>
+      <p:sp>
+        <p:nvSpPr>
+          <p:cNvPr id="2" name="Başlık 1">
+            <a:extLst>
+              <a:ext uri="{FF2B5EF4-FFF2-40B4-BE49-F238E27FC236}">
+                <a16:creationId xmlns:a16="http://schemas.microsoft.com/office/drawing/2014/main" id="{120535B5-4A72-4E3E-8B4D-7F5B23417CFB}"/>
+              </a:ext>
+            </a:extLst>
+          </p:cNvPr>
+          <p:cNvSpPr>
+            <a:spLocks noGrp="1"/>
+          </p:cNvSpPr>
+          <p:nvPr>
+            <p:ph type="ctrTitle"/>
+          </p:nvPr>
+        </p:nvSpPr>
+        <p:spPr/>
+        <p:txBody>
+          <a:bodyPr/>
+          <a:lstStyle/>
+          <a:p>
+            <a:r>
+              <a:rPr lang="tr-TR" dirty="0" err="1"/>
+              <a:t>Homework</a:t>
+            </a:r>
+            <a:r>
+              <a:rPr lang="tr-TR" dirty="0"/>
+              <a:t> 4</a:t>
+            </a:r>
+          </a:p>
+        </p:txBody>
+      </p:sp>
+      <p:sp>
+        <p:nvSpPr>
+          <p:cNvPr id="3" name="Alt Başlık 2">
+            <a:extLst>
+              <a:ext uri="{FF2B5EF4-FFF2-40B4-BE49-F238E27FC236}">
+                <a16:creationId xmlns:a16="http://schemas.microsoft.com/office/drawing/2014/main" id="{E8DA32FB-CCC8-46A4-8CC9-BB95900306AD}"/>
+              </a:ext>
+            </a:extLst>
+          </p:cNvPr>
+          <p:cNvSpPr>
+            <a:spLocks noGrp="1"/>
+          </p:cNvSpPr>
+          <p:nvPr>
+            <p:ph type="subTitle" idx="1"/>
+          </p:nvPr>
+        </p:nvSpPr>
+        <p:spPr/>
+        <p:txBody>
+          <a:bodyPr/>
+          <a:lstStyle/>
+          <a:p>
+            <a:r>
+              <a:rPr lang="tr-TR" dirty="0"/>
+              <a:t>Utku </a:t>
+            </a:r>
+            <a:r>
+              <a:rPr lang="tr-TR" dirty="0" err="1"/>
+              <a:t>Kantekin</a:t>
+            </a:r>
+            <a:endParaRPr lang="tr-TR" dirty="0"/>
+          </a:p>
+        </p:txBody>
+      </p:sp>
+    </p:spTree>
+    <p:extLst>
+      <p:ext uri="{BB962C8B-B14F-4D97-AF65-F5344CB8AC3E}">
+        <p14:creationId xmlns:p14="http://schemas.microsoft.com/office/powerpoint/2010/main" val="1680258313"/>
+      </p:ext>
+    </p:extLst>
+  </p:cSld>
+  <p:clrMapOvr>
+    <a:masterClrMapping/>
+  </p:clrMapOvr>
+</p:sld>
+</file>
+
+<file path=ppt/slides/slide8.xml><?xml version="1.0" encoding="utf-8"?>
+<p:sld xmlns:a="http://schemas.openxmlformats.org/drawingml/2006/main" xmlns:r="http://schemas.openxmlformats.org/officeDocument/2006/relationships" xmlns:p="http://schemas.openxmlformats.org/presentationml/2006/main">
+  <p:cSld>
+    <p:spTree>
+      <p:nvGrpSpPr>
+        <p:cNvPr id="1" name=""/>
+        <p:cNvGrpSpPr/>
+        <p:nvPr/>
+      </p:nvGrpSpPr>
+      <p:grpSpPr>
+        <a:xfrm>
+          <a:off x="0" y="0"/>
+          <a:ext cx="0" cy="0"/>
+          <a:chOff x="0" y="0"/>
+          <a:chExt cx="0" cy="0"/>
+        </a:xfrm>
+      </p:grpSpPr>
+      <p:sp>
+        <p:nvSpPr>
+          <p:cNvPr id="3" name="İçerik Yer Tutucusu 2">
+            <a:extLst>
+              <a:ext uri="{FF2B5EF4-FFF2-40B4-BE49-F238E27FC236}">
+                <a16:creationId xmlns:a16="http://schemas.microsoft.com/office/drawing/2014/main" id="{5003DE27-7B1B-403A-83F4-FC4A0859D4D0}"/>
+              </a:ext>
+            </a:extLst>
+          </p:cNvPr>
+          <p:cNvSpPr>
+            <a:spLocks noGrp="1"/>
+          </p:cNvSpPr>
+          <p:nvPr>
+            <p:ph idx="1"/>
+          </p:nvPr>
+        </p:nvSpPr>
+        <p:spPr>
+          <a:xfrm>
+            <a:off x="838200" y="952107"/>
+            <a:ext cx="10515600" cy="5224856"/>
+          </a:xfrm>
+        </p:spPr>
+        <p:txBody>
+          <a:bodyPr/>
+          <a:lstStyle/>
+          <a:p>
+            <a:r>
+              <a:rPr lang="tr-TR" dirty="0" err="1"/>
+              <a:t>Sweer</a:t>
+            </a:r>
+            <a:r>
+              <a:rPr lang="tr-TR" dirty="0"/>
+              <a:t> </a:t>
+            </a:r>
+            <a:r>
+              <a:rPr lang="tr-TR" dirty="0" err="1"/>
+              <a:t>alert</a:t>
+            </a:r>
+            <a:r>
+              <a:rPr lang="tr-TR" dirty="0"/>
+              <a:t> nedir?</a:t>
+            </a:r>
+          </a:p>
+          <a:p>
+            <a:pPr marL="0" indent="457200">
+              <a:buNone/>
+            </a:pPr>
+            <a:r>
+              <a:rPr lang="tr-TR" dirty="0" err="1"/>
+              <a:t>JavaScript</a:t>
+            </a:r>
+            <a:r>
+              <a:rPr lang="tr-TR" dirty="0"/>
+              <a:t> </a:t>
+            </a:r>
+            <a:r>
+              <a:rPr lang="tr-TR" dirty="0" err="1"/>
+              <a:t>popup</a:t>
+            </a:r>
+            <a:r>
+              <a:rPr lang="tr-TR" dirty="0"/>
+              <a:t> kutuları için alternatif sağlayan bir kütüphanedir.</a:t>
+            </a:r>
+          </a:p>
+          <a:p>
+            <a:r>
+              <a:rPr lang="tr-TR" dirty="0" err="1"/>
+              <a:t>Jumbotron</a:t>
+            </a:r>
+            <a:r>
+              <a:rPr lang="tr-TR" dirty="0"/>
+              <a:t> </a:t>
+            </a:r>
+            <a:r>
+              <a:rPr lang="tr-TR" dirty="0" err="1"/>
+              <a:t>classı</a:t>
+            </a:r>
+            <a:r>
+              <a:rPr lang="tr-TR" dirty="0"/>
+              <a:t> nedir?</a:t>
+            </a:r>
+          </a:p>
+          <a:p>
+            <a:pPr marL="0" indent="457200">
+              <a:buNone/>
+            </a:pPr>
+            <a:r>
+              <a:rPr lang="tr-TR" dirty="0" err="1"/>
+              <a:t>Jumbotron</a:t>
+            </a:r>
+            <a:r>
+              <a:rPr lang="tr-TR" dirty="0"/>
+              <a:t> </a:t>
+            </a:r>
+            <a:r>
+              <a:rPr lang="tr-TR" dirty="0" err="1"/>
+              <a:t>classı</a:t>
+            </a:r>
+            <a:r>
+              <a:rPr lang="tr-TR" dirty="0"/>
+              <a:t> içeriğe ekstra dikkat çekmek için tasarlanmış büyük bir kutu yapısıdır. </a:t>
+            </a:r>
+            <a:r>
+              <a:rPr lang="tr-TR" dirty="0" err="1"/>
+              <a:t>Bootsrap</a:t>
+            </a:r>
+            <a:r>
+              <a:rPr lang="tr-TR" dirty="0"/>
+              <a:t> 5’de desteklenmemektedir.</a:t>
+            </a:r>
+          </a:p>
+          <a:p>
+            <a:r>
+              <a:rPr lang="tr-TR" dirty="0" err="1"/>
+              <a:t>text-reset</a:t>
+            </a:r>
+            <a:r>
+              <a:rPr lang="tr-TR" dirty="0"/>
+              <a:t> :</a:t>
+            </a:r>
+          </a:p>
+          <a:p>
+            <a:pPr marL="0" indent="457200">
+              <a:buNone/>
+            </a:pPr>
+            <a:r>
+              <a:rPr lang="tr-TR" dirty="0"/>
+              <a:t>Yazı rengini sıfırlayarak ebeveyn elemandan miras almasını sağlar.</a:t>
+            </a:r>
+          </a:p>
+          <a:p>
+            <a:r>
+              <a:rPr lang="tr-TR" dirty="0" err="1"/>
+              <a:t>bacground</a:t>
+            </a:r>
+            <a:r>
+              <a:rPr lang="tr-TR" dirty="0"/>
+              <a:t> </a:t>
+            </a:r>
+            <a:r>
+              <a:rPr lang="tr-TR" dirty="0">
+                <a:sym typeface="Wingdings" panose="05000000000000000000" pitchFamily="2" charset="2"/>
+              </a:rPr>
+              <a:t></a:t>
+            </a:r>
+            <a:r>
+              <a:rPr lang="tr-TR" dirty="0" err="1"/>
+              <a:t>bacground-color</a:t>
+            </a:r>
+            <a:r>
+              <a:rPr lang="tr-TR" dirty="0"/>
+              <a:t> arasındaki fark nedir?</a:t>
+            </a:r>
+          </a:p>
+          <a:p>
+            <a:pPr marL="0" indent="457200">
+              <a:buNone/>
+            </a:pPr>
+            <a:r>
+              <a:rPr lang="tr-TR" dirty="0"/>
+              <a:t>Background-</a:t>
+            </a:r>
+            <a:r>
+              <a:rPr lang="tr-TR" dirty="0" err="1"/>
+              <a:t>color</a:t>
+            </a:r>
+            <a:r>
+              <a:rPr lang="tr-TR" dirty="0"/>
+              <a:t> </a:t>
+            </a:r>
+            <a:r>
+              <a:rPr lang="tr-TR" dirty="0" err="1"/>
+              <a:t>yanlızca</a:t>
+            </a:r>
+            <a:r>
+              <a:rPr lang="tr-TR" dirty="0"/>
+              <a:t> arka plan rengini değiştirmek için kullanılırken background bir çok arka plan özelliğinin belirlenmesinde kullanılır. Arka plan rengi, resmi, resim özellikleri gibi.</a:t>
+            </a:r>
+          </a:p>
+        </p:txBody>
+      </p:sp>
+    </p:spTree>
+    <p:extLst>
+      <p:ext uri="{BB962C8B-B14F-4D97-AF65-F5344CB8AC3E}">
+        <p14:creationId xmlns:p14="http://schemas.microsoft.com/office/powerpoint/2010/main" val="4068560094"/>
+      </p:ext>
+    </p:extLst>
+  </p:cSld>
+  <p:clrMapOvr>
+    <a:masterClrMapping/>
+  </p:clrMapOvr>
+</p:sld>
+</file>
+
+<file path=ppt/slides/slide9.xml><?xml version="1.0" encoding="utf-8"?>
+<p:sld xmlns:a="http://schemas.openxmlformats.org/drawingml/2006/main" xmlns:r="http://schemas.openxmlformats.org/officeDocument/2006/relationships" xmlns:p="http://schemas.openxmlformats.org/presentationml/2006/main">
+  <p:cSld>
+    <p:spTree>
+      <p:nvGrpSpPr>
+        <p:cNvPr id="1" name=""/>
+        <p:cNvGrpSpPr/>
+        <p:nvPr/>
+      </p:nvGrpSpPr>
+      <p:grpSpPr>
+        <a:xfrm>
+          <a:off x="0" y="0"/>
+          <a:ext cx="0" cy="0"/>
+          <a:chOff x="0" y="0"/>
+          <a:chExt cx="0" cy="0"/>
+        </a:xfrm>
+      </p:grpSpPr>
+      <p:sp>
+        <p:nvSpPr>
+          <p:cNvPr id="3" name="İçerik Yer Tutucusu 2">
+            <a:extLst>
+              <a:ext uri="{FF2B5EF4-FFF2-40B4-BE49-F238E27FC236}">
+                <a16:creationId xmlns:a16="http://schemas.microsoft.com/office/drawing/2014/main" id="{B8894F24-B57E-4EE0-B5FC-F871EFF9DEE7}"/>
+              </a:ext>
+            </a:extLst>
+          </p:cNvPr>
+          <p:cNvSpPr>
+            <a:spLocks noGrp="1"/>
+          </p:cNvSpPr>
+          <p:nvPr>
+            <p:ph idx="1"/>
+          </p:nvPr>
+        </p:nvSpPr>
+        <p:spPr>
+          <a:xfrm>
+            <a:off x="838200" y="933254"/>
+            <a:ext cx="10515600" cy="5243709"/>
+          </a:xfrm>
+        </p:spPr>
+        <p:txBody>
+          <a:bodyPr/>
+          <a:lstStyle/>
+          <a:p>
+            <a:r>
+              <a:rPr lang="tr-TR" dirty="0" err="1"/>
+              <a:t>Fast</a:t>
+            </a:r>
+            <a:r>
+              <a:rPr lang="tr-TR" dirty="0"/>
+              <a:t> </a:t>
+            </a:r>
+            <a:r>
+              <a:rPr lang="tr-TR" dirty="0" err="1"/>
+              <a:t>forward</a:t>
+            </a:r>
+            <a:r>
+              <a:rPr lang="tr-TR" dirty="0"/>
+              <a:t> ve </a:t>
+            </a:r>
+            <a:r>
+              <a:rPr lang="tr-TR" dirty="0" err="1"/>
+              <a:t>rebase</a:t>
+            </a:r>
+            <a:r>
+              <a:rPr lang="tr-TR" dirty="0"/>
+              <a:t> arasındaki fark nedir?</a:t>
+            </a:r>
+          </a:p>
+          <a:p>
+            <a:pPr marL="0" indent="457200">
+              <a:buNone/>
+            </a:pPr>
+            <a:r>
+              <a:rPr lang="tr-TR" dirty="0"/>
+              <a:t>git </a:t>
+            </a:r>
+            <a:r>
+              <a:rPr lang="tr-TR" dirty="0" err="1"/>
+              <a:t>merge</a:t>
+            </a:r>
+            <a:r>
+              <a:rPr lang="tr-TR" dirty="0"/>
+              <a:t>: birden fazla </a:t>
+            </a:r>
+            <a:r>
+              <a:rPr lang="tr-TR" dirty="0" err="1"/>
+              <a:t>commit’i</a:t>
+            </a:r>
+            <a:r>
+              <a:rPr lang="tr-TR" dirty="0"/>
+              <a:t> genellikle </a:t>
+            </a:r>
+            <a:r>
+              <a:rPr lang="tr-TR" dirty="0" err="1"/>
+              <a:t>branch’i</a:t>
+            </a:r>
+            <a:r>
+              <a:rPr lang="tr-TR" dirty="0"/>
+              <a:t> birleştirmek için kullanılır. </a:t>
+            </a:r>
+            <a:r>
+              <a:rPr lang="tr-TR" dirty="0" err="1"/>
+              <a:t>Fast</a:t>
+            </a:r>
+            <a:r>
+              <a:rPr lang="tr-TR" dirty="0"/>
+              <a:t> </a:t>
+            </a:r>
+            <a:r>
+              <a:rPr lang="tr-TR" dirty="0" err="1"/>
+              <a:t>forward</a:t>
+            </a:r>
+            <a:r>
+              <a:rPr lang="tr-TR" dirty="0"/>
+              <a:t> varsayılan </a:t>
+            </a:r>
+            <a:r>
+              <a:rPr lang="tr-TR" dirty="0" err="1"/>
+              <a:t>merge</a:t>
+            </a:r>
+            <a:r>
+              <a:rPr lang="tr-TR" dirty="0"/>
+              <a:t> (birleştirme) seçeneğidir. Geçerli </a:t>
+            </a:r>
+            <a:r>
+              <a:rPr lang="tr-TR" dirty="0" err="1"/>
+              <a:t>branch</a:t>
+            </a:r>
+            <a:r>
+              <a:rPr lang="tr-TR" dirty="0"/>
+              <a:t> sonundan hedef </a:t>
+            </a:r>
+            <a:r>
+              <a:rPr lang="tr-TR" dirty="0" err="1"/>
+              <a:t>branche</a:t>
+            </a:r>
+            <a:r>
+              <a:rPr lang="tr-TR" dirty="0"/>
+              <a:t> doğrudan bağlantı varsa gerçekleştirilebilir. </a:t>
+            </a:r>
+          </a:p>
+          <a:p>
+            <a:pPr marL="0" indent="457200">
+              <a:buNone/>
+            </a:pPr>
+            <a:r>
+              <a:rPr lang="tr-TR" dirty="0" err="1"/>
+              <a:t>Rebase</a:t>
+            </a:r>
+            <a:r>
+              <a:rPr lang="tr-TR" dirty="0"/>
+              <a:t> ise belirli bir </a:t>
+            </a:r>
+            <a:r>
+              <a:rPr lang="tr-TR" dirty="0" err="1"/>
+              <a:t>branchin</a:t>
+            </a:r>
+            <a:r>
+              <a:rPr lang="tr-TR" dirty="0"/>
+              <a:t> yeni bir temele (</a:t>
+            </a:r>
+            <a:r>
+              <a:rPr lang="tr-TR" dirty="0" err="1"/>
+              <a:t>ebevyne</a:t>
+            </a:r>
+            <a:r>
+              <a:rPr lang="tr-TR"/>
+              <a:t>) taşınmasıdır.</a:t>
+            </a:r>
+            <a:endParaRPr lang="tr-TR" dirty="0"/>
+          </a:p>
+        </p:txBody>
+      </p:sp>
+    </p:spTree>
+    <p:extLst>
+      <p:ext uri="{BB962C8B-B14F-4D97-AF65-F5344CB8AC3E}">
+        <p14:creationId xmlns:p14="http://schemas.microsoft.com/office/powerpoint/2010/main" val="786759854"/>
+      </p:ext>
+    </p:extLst>
+  </p:cSld>
+  <p:clrMapOvr>
+    <a:masterClrMapping/>
+  </p:clrMapOvr>
+</p:sld>
+</file>
+
 <file path=ppt/theme/theme1.xml><?xml version="1.0" encoding="utf-8"?>
 <a:theme xmlns:a="http://schemas.openxmlformats.org/drawingml/2006/main" name="Office Teması">
   <a:themeElements>
